--- a/Calendario/Presentaciones/8_For.pptx
+++ b/Calendario/Presentaciones/8_For.pptx
@@ -229,7 +229,7 @@
           <a:p>
             <a:fld id="{6850521A-C27A-4838-9C91-787748A77EFD}" type="datetimeFigureOut">
               <a:rPr lang="es-MX" smtClean="0"/>
-              <a:t>18/01/2022</a:t>
+              <a:t>30/03/2022</a:t>
             </a:fld>
             <a:endParaRPr lang="es-MX"/>
           </a:p>
@@ -2022,7 +2022,7 @@
           <a:p>
             <a:fld id="{25BC5239-EFEC-4EF5-AB4E-B8ED16D8832D}" type="datetimeFigureOut">
               <a:rPr lang="es-MX" smtClean="0"/>
-              <a:t>18/01/2022</a:t>
+              <a:t>30/03/2022</a:t>
             </a:fld>
             <a:endParaRPr lang="es-MX"/>
           </a:p>
@@ -2192,7 +2192,7 @@
           <a:p>
             <a:fld id="{25BC5239-EFEC-4EF5-AB4E-B8ED16D8832D}" type="datetimeFigureOut">
               <a:rPr lang="es-MX" smtClean="0"/>
-              <a:t>18/01/2022</a:t>
+              <a:t>30/03/2022</a:t>
             </a:fld>
             <a:endParaRPr lang="es-MX"/>
           </a:p>
@@ -2372,7 +2372,7 @@
           <a:p>
             <a:fld id="{25BC5239-EFEC-4EF5-AB4E-B8ED16D8832D}" type="datetimeFigureOut">
               <a:rPr lang="es-MX" smtClean="0"/>
-              <a:t>18/01/2022</a:t>
+              <a:t>30/03/2022</a:t>
             </a:fld>
             <a:endParaRPr lang="es-MX"/>
           </a:p>
@@ -2753,7 +2753,7 @@
           <a:p>
             <a:fld id="{1D8BD707-D9CF-40AE-B4C6-C98DA3205C09}" type="datetimeFigureOut">
               <a:rPr lang="en-US" smtClean="0"/>
-              <a:t>1/18/2022</a:t>
+              <a:t>3/30/2022</a:t>
             </a:fld>
             <a:endParaRPr lang="en-US"/>
           </a:p>
@@ -2913,7 +2913,7 @@
           <a:p>
             <a:fld id="{25BC5239-EFEC-4EF5-AB4E-B8ED16D8832D}" type="datetimeFigureOut">
               <a:rPr lang="es-MX" smtClean="0"/>
-              <a:t>18/01/2022</a:t>
+              <a:t>30/03/2022</a:t>
             </a:fld>
             <a:endParaRPr lang="es-MX"/>
           </a:p>
@@ -3159,7 +3159,7 @@
           <a:p>
             <a:fld id="{25BC5239-EFEC-4EF5-AB4E-B8ED16D8832D}" type="datetimeFigureOut">
               <a:rPr lang="es-MX" smtClean="0"/>
-              <a:t>18/01/2022</a:t>
+              <a:t>30/03/2022</a:t>
             </a:fld>
             <a:endParaRPr lang="es-MX"/>
           </a:p>
@@ -3447,7 +3447,7 @@
           <a:p>
             <a:fld id="{25BC5239-EFEC-4EF5-AB4E-B8ED16D8832D}" type="datetimeFigureOut">
               <a:rPr lang="es-MX" smtClean="0"/>
-              <a:t>18/01/2022</a:t>
+              <a:t>30/03/2022</a:t>
             </a:fld>
             <a:endParaRPr lang="es-MX"/>
           </a:p>
@@ -3869,7 +3869,7 @@
           <a:p>
             <a:fld id="{25BC5239-EFEC-4EF5-AB4E-B8ED16D8832D}" type="datetimeFigureOut">
               <a:rPr lang="es-MX" smtClean="0"/>
-              <a:t>18/01/2022</a:t>
+              <a:t>30/03/2022</a:t>
             </a:fld>
             <a:endParaRPr lang="es-MX"/>
           </a:p>
@@ -3987,7 +3987,7 @@
           <a:p>
             <a:fld id="{25BC5239-EFEC-4EF5-AB4E-B8ED16D8832D}" type="datetimeFigureOut">
               <a:rPr lang="es-MX" smtClean="0"/>
-              <a:t>18/01/2022</a:t>
+              <a:t>30/03/2022</a:t>
             </a:fld>
             <a:endParaRPr lang="es-MX"/>
           </a:p>
@@ -4082,7 +4082,7 @@
           <a:p>
             <a:fld id="{25BC5239-EFEC-4EF5-AB4E-B8ED16D8832D}" type="datetimeFigureOut">
               <a:rPr lang="es-MX" smtClean="0"/>
-              <a:t>18/01/2022</a:t>
+              <a:t>30/03/2022</a:t>
             </a:fld>
             <a:endParaRPr lang="es-MX"/>
           </a:p>
@@ -4359,7 +4359,7 @@
           <a:p>
             <a:fld id="{25BC5239-EFEC-4EF5-AB4E-B8ED16D8832D}" type="datetimeFigureOut">
               <a:rPr lang="es-MX" smtClean="0"/>
-              <a:t>18/01/2022</a:t>
+              <a:t>30/03/2022</a:t>
             </a:fld>
             <a:endParaRPr lang="es-MX"/>
           </a:p>
@@ -4612,7 +4612,7 @@
           <a:p>
             <a:fld id="{25BC5239-EFEC-4EF5-AB4E-B8ED16D8832D}" type="datetimeFigureOut">
               <a:rPr lang="es-MX" smtClean="0"/>
-              <a:t>18/01/2022</a:t>
+              <a:t>30/03/2022</a:t>
             </a:fld>
             <a:endParaRPr lang="es-MX"/>
           </a:p>
@@ -4825,7 +4825,7 @@
           <a:p>
             <a:fld id="{25BC5239-EFEC-4EF5-AB4E-B8ED16D8832D}" type="datetimeFigureOut">
               <a:rPr lang="es-MX" smtClean="0"/>
-              <a:t>18/01/2022</a:t>
+              <a:t>30/03/2022</a:t>
             </a:fld>
             <a:endParaRPr lang="es-MX"/>
           </a:p>
@@ -26290,7 +26290,7 @@
                 </a:solidFill>
                 <a:cs typeface="Calibri"/>
               </a:rPr>
-              <a:t>dibujaAsteriscos</a:t>
+              <a:t>dibuja_asteriscos</a:t>
             </a:r>
             <a:r>
               <a:rPr lang="es-MX" sz="2400" spc="-20" dirty="0">
@@ -26416,7 +26416,7 @@
                   </a:schemeClr>
                 </a:solidFill>
               </a:rPr>
-              <a:t>dibujaAsteriscos</a:t>
+              <a:t>dibuja_asteriscos</a:t>
             </a:r>
             <a:r>
               <a:rPr lang="es-ES_tradnl" sz="2400" b="1" dirty="0">
